--- a/files/courseoutline.pptx
+++ b/files/courseoutline.pptx
@@ -262,7 +262,7 @@
           <a:p>
             <a:fld id="{9A2790BE-3B60-4983-9B19-A0E3C200608A}" type="datetimeFigureOut">
               <a:rPr lang="en-GB" smtClean="0"/>
-              <a:t>09/02/2025</a:t>
+              <a:t>13/02/2025</a:t>
             </a:fld>
             <a:endParaRPr lang="en-GB"/>
           </a:p>
@@ -462,7 +462,7 @@
           <a:p>
             <a:fld id="{9A2790BE-3B60-4983-9B19-A0E3C200608A}" type="datetimeFigureOut">
               <a:rPr lang="en-GB" smtClean="0"/>
-              <a:t>09/02/2025</a:t>
+              <a:t>13/02/2025</a:t>
             </a:fld>
             <a:endParaRPr lang="en-GB"/>
           </a:p>
@@ -672,7 +672,7 @@
           <a:p>
             <a:fld id="{9A2790BE-3B60-4983-9B19-A0E3C200608A}" type="datetimeFigureOut">
               <a:rPr lang="en-GB" smtClean="0"/>
-              <a:t>09/02/2025</a:t>
+              <a:t>13/02/2025</a:t>
             </a:fld>
             <a:endParaRPr lang="en-GB"/>
           </a:p>
@@ -872,7 +872,7 @@
           <a:p>
             <a:fld id="{9A2790BE-3B60-4983-9B19-A0E3C200608A}" type="datetimeFigureOut">
               <a:rPr lang="en-GB" smtClean="0"/>
-              <a:t>09/02/2025</a:t>
+              <a:t>13/02/2025</a:t>
             </a:fld>
             <a:endParaRPr lang="en-GB"/>
           </a:p>
@@ -1148,7 +1148,7 @@
           <a:p>
             <a:fld id="{9A2790BE-3B60-4983-9B19-A0E3C200608A}" type="datetimeFigureOut">
               <a:rPr lang="en-GB" smtClean="0"/>
-              <a:t>09/02/2025</a:t>
+              <a:t>13/02/2025</a:t>
             </a:fld>
             <a:endParaRPr lang="en-GB"/>
           </a:p>
@@ -1416,7 +1416,7 @@
           <a:p>
             <a:fld id="{9A2790BE-3B60-4983-9B19-A0E3C200608A}" type="datetimeFigureOut">
               <a:rPr lang="en-GB" smtClean="0"/>
-              <a:t>09/02/2025</a:t>
+              <a:t>13/02/2025</a:t>
             </a:fld>
             <a:endParaRPr lang="en-GB"/>
           </a:p>
@@ -1831,7 +1831,7 @@
           <a:p>
             <a:fld id="{9A2790BE-3B60-4983-9B19-A0E3C200608A}" type="datetimeFigureOut">
               <a:rPr lang="en-GB" smtClean="0"/>
-              <a:t>09/02/2025</a:t>
+              <a:t>13/02/2025</a:t>
             </a:fld>
             <a:endParaRPr lang="en-GB"/>
           </a:p>
@@ -1973,7 +1973,7 @@
           <a:p>
             <a:fld id="{9A2790BE-3B60-4983-9B19-A0E3C200608A}" type="datetimeFigureOut">
               <a:rPr lang="en-GB" smtClean="0"/>
-              <a:t>09/02/2025</a:t>
+              <a:t>13/02/2025</a:t>
             </a:fld>
             <a:endParaRPr lang="en-GB"/>
           </a:p>
@@ -2086,7 +2086,7 @@
           <a:p>
             <a:fld id="{9A2790BE-3B60-4983-9B19-A0E3C200608A}" type="datetimeFigureOut">
               <a:rPr lang="en-GB" smtClean="0"/>
-              <a:t>09/02/2025</a:t>
+              <a:t>13/02/2025</a:t>
             </a:fld>
             <a:endParaRPr lang="en-GB"/>
           </a:p>
@@ -2399,7 +2399,7 @@
           <a:p>
             <a:fld id="{9A2790BE-3B60-4983-9B19-A0E3C200608A}" type="datetimeFigureOut">
               <a:rPr lang="en-GB" smtClean="0"/>
-              <a:t>09/02/2025</a:t>
+              <a:t>13/02/2025</a:t>
             </a:fld>
             <a:endParaRPr lang="en-GB"/>
           </a:p>
@@ -2688,7 +2688,7 @@
           <a:p>
             <a:fld id="{9A2790BE-3B60-4983-9B19-A0E3C200608A}" type="datetimeFigureOut">
               <a:rPr lang="en-GB" smtClean="0"/>
-              <a:t>09/02/2025</a:t>
+              <a:t>13/02/2025</a:t>
             </a:fld>
             <a:endParaRPr lang="en-GB"/>
           </a:p>
@@ -2931,7 +2931,7 @@
           <a:p>
             <a:fld id="{9A2790BE-3B60-4983-9B19-A0E3C200608A}" type="datetimeFigureOut">
               <a:rPr lang="en-GB" smtClean="0"/>
-              <a:t>09/02/2025</a:t>
+              <a:t>13/02/2025</a:t>
             </a:fld>
             <a:endParaRPr lang="en-GB"/>
           </a:p>
@@ -3860,6 +3860,41 @@
           </a:p>
         </p:txBody>
       </p:sp>
+      <p:sp>
+        <p:nvSpPr>
+          <p:cNvPr id="2" name="TextBox 1">
+            <a:extLst>
+              <a:ext uri="{FF2B5EF4-FFF2-40B4-BE49-F238E27FC236}">
+                <a16:creationId xmlns:a16="http://schemas.microsoft.com/office/drawing/2014/main" id="{46372762-1978-4AB5-A652-D219EFB1B517}"/>
+              </a:ext>
+            </a:extLst>
+          </p:cNvPr>
+          <p:cNvSpPr txBox="1"/>
+          <p:nvPr/>
+        </p:nvSpPr>
+        <p:spPr>
+          <a:xfrm>
+            <a:off x="4367386" y="0"/>
+            <a:ext cx="3457228" cy="369332"/>
+          </a:xfrm>
+          <a:prstGeom prst="rect">
+            <a:avLst/>
+          </a:prstGeom>
+          <a:noFill/>
+        </p:spPr>
+        <p:txBody>
+          <a:bodyPr wrap="none" rtlCol="0">
+            <a:spAutoFit/>
+          </a:bodyPr>
+          <a:lstStyle/>
+          <a:p>
+            <a:r>
+              <a:rPr lang="en-GB" b="1" u="sng" dirty="0"/>
+              <a:t>CONVENTIONAL COURSE OUTLINE</a:t>
+            </a:r>
+          </a:p>
+        </p:txBody>
+      </p:sp>
     </p:spTree>
     <p:extLst>
       <p:ext uri="{BB962C8B-B14F-4D97-AF65-F5344CB8AC3E}">
@@ -3905,14 +3940,14 @@
           <p:nvPr>
             <p:extLst>
               <p:ext uri="{D42A27DB-BD31-4B8C-83A1-F6EECF244321}">
-                <p14:modId xmlns:p14="http://schemas.microsoft.com/office/powerpoint/2010/main" val="622859044"/>
+                <p14:modId xmlns:p14="http://schemas.microsoft.com/office/powerpoint/2010/main" val="788826220"/>
               </p:ext>
             </p:extLst>
           </p:nvPr>
         </p:nvGraphicFramePr>
         <p:xfrm>
-          <a:off x="165189" y="843473"/>
-          <a:ext cx="11933678" cy="5718195"/>
+          <a:off x="165189" y="1129664"/>
+          <a:ext cx="11933678" cy="5642880"/>
         </p:xfrm>
         <a:graphic>
           <a:graphicData uri="http://schemas.openxmlformats.org/drawingml/2006/table">
@@ -3950,7 +3985,7 @@
                   </a:extLst>
                 </a:gridCol>
               </a:tblGrid>
-              <a:tr h="373037">
+              <a:tr h="357883">
                 <a:tc>
                   <a:txBody>
                     <a:bodyPr/>
@@ -3997,7 +4032,7 @@
                   </a:ext>
                 </a:extLst>
               </a:tr>
-              <a:tr h="643872">
+              <a:tr h="626296">
                 <a:tc rowSpan="5">
                   <a:txBody>
                     <a:bodyPr/>
@@ -4070,7 +4105,7 @@
                   </a:ext>
                 </a:extLst>
               </a:tr>
-              <a:tr h="643872">
+              <a:tr h="626296">
                 <a:tc vMerge="1">
                   <a:txBody>
                     <a:bodyPr/>
@@ -4142,7 +4177,7 @@
                   </a:ext>
                 </a:extLst>
               </a:tr>
-              <a:tr h="643872">
+              <a:tr h="626296">
                 <a:tc vMerge="1">
                   <a:txBody>
                     <a:bodyPr/>
@@ -4173,7 +4208,15 @@
                     <a:p>
                       <a:r>
                         <a:rPr lang="en-GB" sz="1200" dirty="0"/>
-                        <a:t>Group of groups! Groups alongside and other groups! </a:t>
+                        <a:t>Group of groups! </a:t>
+                      </a:r>
+                      <a:r>
+                        <a:rPr lang="en-GB" sz="1200" dirty="0" err="1"/>
+                        <a:t>GrQoups</a:t>
+                      </a:r>
+                      <a:r>
+                        <a:rPr lang="en-GB" sz="1200" dirty="0"/>
+                        <a:t> alongside and other groups! </a:t>
                       </a:r>
                     </a:p>
                   </a:txBody>
@@ -4195,7 +4238,7 @@
                   </a:ext>
                 </a:extLst>
               </a:tr>
-              <a:tr h="459908">
+              <a:tr h="447354">
                 <a:tc vMerge="1">
                   <a:txBody>
                     <a:bodyPr/>
@@ -4248,7 +4291,7 @@
                   </a:ext>
                 </a:extLst>
               </a:tr>
-              <a:tr h="373037">
+              <a:tr h="357883">
                 <a:tc vMerge="1">
                   <a:txBody>
                     <a:bodyPr/>
@@ -4298,7 +4341,7 @@
                   </a:ext>
                 </a:extLst>
               </a:tr>
-              <a:tr h="643872">
+              <a:tr h="626296">
                 <a:tc rowSpan="5">
                   <a:txBody>
                     <a:bodyPr/>
@@ -4362,7 +4405,7 @@
                   </a:ext>
                 </a:extLst>
               </a:tr>
-              <a:tr h="643872">
+              <a:tr h="626296">
                 <a:tc vMerge="1">
                   <a:txBody>
                     <a:bodyPr/>
@@ -4415,7 +4458,7 @@
                   </a:ext>
                 </a:extLst>
               </a:tr>
-              <a:tr h="459908">
+              <a:tr h="447354">
                 <a:tc vMerge="1">
                   <a:txBody>
                     <a:bodyPr/>
@@ -4468,7 +4511,7 @@
                   </a:ext>
                 </a:extLst>
               </a:tr>
-              <a:tr h="459908">
+              <a:tr h="430800">
                 <a:tc vMerge="1">
                   <a:txBody>
                     <a:bodyPr/>
@@ -4521,7 +4564,7 @@
                   </a:ext>
                 </a:extLst>
               </a:tr>
-              <a:tr h="373037">
+              <a:tr h="357883">
                 <a:tc vMerge="1">
                   <a:txBody>
                     <a:bodyPr/>
@@ -4589,8 +4632,8 @@
         </p:nvSpPr>
         <p:spPr>
           <a:xfrm rot="17685781">
-            <a:off x="2911453" y="773780"/>
-            <a:ext cx="1472989" cy="1464734"/>
+            <a:off x="3031207" y="1074349"/>
+            <a:ext cx="1255562" cy="1398114"/>
           </a:xfrm>
           <a:custGeom>
             <a:avLst/>
@@ -4681,7 +4724,7 @@
         </p:nvSpPr>
         <p:spPr>
           <a:xfrm>
-            <a:off x="642959" y="0"/>
+            <a:off x="642959" y="533403"/>
             <a:ext cx="3505200" cy="646331"/>
           </a:xfrm>
           <a:prstGeom prst="rect">
@@ -4716,8 +4759,8 @@
         </p:nvGrpSpPr>
         <p:grpSpPr>
           <a:xfrm>
-            <a:off x="7770151" y="1901841"/>
-            <a:ext cx="817291" cy="521199"/>
+            <a:off x="7770151" y="2124256"/>
+            <a:ext cx="817291" cy="488212"/>
             <a:chOff x="1428205" y="1402829"/>
             <a:chExt cx="7646126" cy="4876051"/>
           </a:xfrm>
@@ -6633,8 +6676,8 @@
         </p:nvGrpSpPr>
         <p:grpSpPr>
           <a:xfrm>
-            <a:off x="8710264" y="1889375"/>
-            <a:ext cx="817057" cy="519417"/>
+            <a:off x="8710264" y="2111754"/>
+            <a:ext cx="817057" cy="486543"/>
             <a:chOff x="1430389" y="1419496"/>
             <a:chExt cx="7643942" cy="4859384"/>
           </a:xfrm>
@@ -8550,8 +8593,8 @@
         </p:nvGrpSpPr>
         <p:grpSpPr>
           <a:xfrm>
-            <a:off x="8805212" y="1266853"/>
-            <a:ext cx="695856" cy="519416"/>
+            <a:off x="8805212" y="1489232"/>
+            <a:ext cx="695856" cy="486542"/>
             <a:chOff x="2420983" y="1062446"/>
             <a:chExt cx="6653348" cy="3988526"/>
           </a:xfrm>
@@ -9165,7 +9208,7 @@
         </p:nvSpPr>
         <p:spPr>
           <a:xfrm>
-            <a:off x="4196604" y="-51229"/>
+            <a:off x="4196604" y="482174"/>
             <a:ext cx="4086448" cy="646331"/>
           </a:xfrm>
           <a:prstGeom prst="rect">
@@ -9180,8 +9223,12 @@
           <a:lstStyle/>
           <a:p>
             <a:r>
+              <a:rPr lang="en-GB" i="1" dirty="0"/>
+              <a:t>very</a:t>
+            </a:r>
+            <a:r>
               <a:rPr lang="en-GB" dirty="0"/>
-              <a:t>*very* lay explanations help them understand the flow of the course</a:t>
+              <a:t> lay explanations help them understand the flow of the course</a:t>
             </a:r>
           </a:p>
         </p:txBody>
@@ -9202,8 +9249,8 @@
         </p:nvCxnSpPr>
         <p:spPr>
           <a:xfrm>
-            <a:off x="6620450" y="546474"/>
-            <a:ext cx="0" cy="545726"/>
+            <a:off x="7508803" y="804637"/>
+            <a:ext cx="498430" cy="610799"/>
           </a:xfrm>
           <a:prstGeom prst="straightConnector1">
             <a:avLst/>
@@ -9245,7 +9292,7 @@
         </p:nvSpPr>
         <p:spPr>
           <a:xfrm>
-            <a:off x="8619436" y="1123"/>
+            <a:off x="8619436" y="534526"/>
             <a:ext cx="4086448" cy="646331"/>
           </a:xfrm>
           <a:prstGeom prst="rect">
@@ -9282,8 +9329,8 @@
         </p:nvCxnSpPr>
         <p:spPr>
           <a:xfrm>
-            <a:off x="10574383" y="646331"/>
-            <a:ext cx="347617" cy="513602"/>
+            <a:off x="10371296" y="1144202"/>
+            <a:ext cx="0" cy="767833"/>
           </a:xfrm>
           <a:prstGeom prst="straightConnector1">
             <a:avLst/>
@@ -9311,6 +9358,41 @@
           </a:fontRef>
         </p:style>
       </p:cxnSp>
+      <p:sp>
+        <p:nvSpPr>
+          <p:cNvPr id="113" name="TextBox 112">
+            <a:extLst>
+              <a:ext uri="{FF2B5EF4-FFF2-40B4-BE49-F238E27FC236}">
+                <a16:creationId xmlns:a16="http://schemas.microsoft.com/office/drawing/2014/main" id="{E9D1D9E5-1971-42D4-AACD-AB61E762A33C}"/>
+              </a:ext>
+            </a:extLst>
+          </p:cNvPr>
+          <p:cNvSpPr txBox="1"/>
+          <p:nvPr/>
+        </p:nvSpPr>
+        <p:spPr>
+          <a:xfrm>
+            <a:off x="3406930" y="-15820"/>
+            <a:ext cx="5378139" cy="369332"/>
+          </a:xfrm>
+          <a:prstGeom prst="rect">
+            <a:avLst/>
+          </a:prstGeom>
+          <a:noFill/>
+        </p:spPr>
+        <p:txBody>
+          <a:bodyPr wrap="none" rtlCol="0">
+            <a:spAutoFit/>
+          </a:bodyPr>
+          <a:lstStyle/>
+          <a:p>
+            <a:r>
+              <a:rPr lang="en-GB" b="1" u="sng" dirty="0"/>
+              <a:t>COURSE OUTLINE (with explanations and applications)</a:t>
+            </a:r>
+          </a:p>
+        </p:txBody>
+      </p:sp>
     </p:spTree>
     <p:extLst>
       <p:ext uri="{BB962C8B-B14F-4D97-AF65-F5344CB8AC3E}">
